--- a/hierarchie_criteres.pptx
+++ b/hierarchie_criteres.pptx
@@ -104,6 +104,11 @@
       </a:defRPr>
     </a:lvl9pPr>
   </p:defaultTextStyle>
+  <p:extLst>
+    <p:ext uri="{EFAFB233-063F-42B5-8137-9DF3F51BA10A}">
+      <p15:sldGuideLst xmlns:p15="http://schemas.microsoft.com/office/powerpoint/2012/main"/>
+    </p:ext>
+  </p:extLst>
 </p:presentation>
 </file>
 
@@ -256,7 +261,7 @@
           <a:p>
             <a:fld id="{DB311974-1E47-4E19-A454-6FA8B12BAC88}" type="datetimeFigureOut">
               <a:rPr lang="en-GB" smtClean="0"/>
-              <a:t>16/02/2018</a:t>
+              <a:t>18/02/2018</a:t>
             </a:fld>
             <a:endParaRPr lang="en-GB"/>
           </a:p>
@@ -456,7 +461,7 @@
           <a:p>
             <a:fld id="{DB311974-1E47-4E19-A454-6FA8B12BAC88}" type="datetimeFigureOut">
               <a:rPr lang="en-GB" smtClean="0"/>
-              <a:t>16/02/2018</a:t>
+              <a:t>18/02/2018</a:t>
             </a:fld>
             <a:endParaRPr lang="en-GB"/>
           </a:p>
@@ -666,7 +671,7 @@
           <a:p>
             <a:fld id="{DB311974-1E47-4E19-A454-6FA8B12BAC88}" type="datetimeFigureOut">
               <a:rPr lang="en-GB" smtClean="0"/>
-              <a:t>16/02/2018</a:t>
+              <a:t>18/02/2018</a:t>
             </a:fld>
             <a:endParaRPr lang="en-GB"/>
           </a:p>
@@ -866,7 +871,7 @@
           <a:p>
             <a:fld id="{DB311974-1E47-4E19-A454-6FA8B12BAC88}" type="datetimeFigureOut">
               <a:rPr lang="en-GB" smtClean="0"/>
-              <a:t>16/02/2018</a:t>
+              <a:t>18/02/2018</a:t>
             </a:fld>
             <a:endParaRPr lang="en-GB"/>
           </a:p>
@@ -1142,7 +1147,7 @@
           <a:p>
             <a:fld id="{DB311974-1E47-4E19-A454-6FA8B12BAC88}" type="datetimeFigureOut">
               <a:rPr lang="en-GB" smtClean="0"/>
-              <a:t>16/02/2018</a:t>
+              <a:t>18/02/2018</a:t>
             </a:fld>
             <a:endParaRPr lang="en-GB"/>
           </a:p>
@@ -1410,7 +1415,7 @@
           <a:p>
             <a:fld id="{DB311974-1E47-4E19-A454-6FA8B12BAC88}" type="datetimeFigureOut">
               <a:rPr lang="en-GB" smtClean="0"/>
-              <a:t>16/02/2018</a:t>
+              <a:t>18/02/2018</a:t>
             </a:fld>
             <a:endParaRPr lang="en-GB"/>
           </a:p>
@@ -1825,7 +1830,7 @@
           <a:p>
             <a:fld id="{DB311974-1E47-4E19-A454-6FA8B12BAC88}" type="datetimeFigureOut">
               <a:rPr lang="en-GB" smtClean="0"/>
-              <a:t>16/02/2018</a:t>
+              <a:t>18/02/2018</a:t>
             </a:fld>
             <a:endParaRPr lang="en-GB"/>
           </a:p>
@@ -1967,7 +1972,7 @@
           <a:p>
             <a:fld id="{DB311974-1E47-4E19-A454-6FA8B12BAC88}" type="datetimeFigureOut">
               <a:rPr lang="en-GB" smtClean="0"/>
-              <a:t>16/02/2018</a:t>
+              <a:t>18/02/2018</a:t>
             </a:fld>
             <a:endParaRPr lang="en-GB"/>
           </a:p>
@@ -2080,7 +2085,7 @@
           <a:p>
             <a:fld id="{DB311974-1E47-4E19-A454-6FA8B12BAC88}" type="datetimeFigureOut">
               <a:rPr lang="en-GB" smtClean="0"/>
-              <a:t>16/02/2018</a:t>
+              <a:t>18/02/2018</a:t>
             </a:fld>
             <a:endParaRPr lang="en-GB"/>
           </a:p>
@@ -2393,7 +2398,7 @@
           <a:p>
             <a:fld id="{DB311974-1E47-4E19-A454-6FA8B12BAC88}" type="datetimeFigureOut">
               <a:rPr lang="en-GB" smtClean="0"/>
-              <a:t>16/02/2018</a:t>
+              <a:t>18/02/2018</a:t>
             </a:fld>
             <a:endParaRPr lang="en-GB"/>
           </a:p>
@@ -2682,7 +2687,7 @@
           <a:p>
             <a:fld id="{DB311974-1E47-4E19-A454-6FA8B12BAC88}" type="datetimeFigureOut">
               <a:rPr lang="en-GB" smtClean="0"/>
-              <a:t>16/02/2018</a:t>
+              <a:t>18/02/2018</a:t>
             </a:fld>
             <a:endParaRPr lang="en-GB"/>
           </a:p>
@@ -2925,7 +2930,7 @@
           <a:p>
             <a:fld id="{DB311974-1E47-4E19-A454-6FA8B12BAC88}" type="datetimeFigureOut">
               <a:rPr lang="en-GB" smtClean="0"/>
-              <a:t>16/02/2018</a:t>
+              <a:t>18/02/2018</a:t>
             </a:fld>
             <a:endParaRPr lang="en-GB"/>
           </a:p>
@@ -3356,7 +3361,7 @@
         </p:nvSpPr>
         <p:spPr>
           <a:xfrm>
-            <a:off x="6528319" y="3432627"/>
+            <a:off x="6237786" y="5828047"/>
             <a:ext cx="1440000" cy="684000"/>
           </a:xfrm>
           <a:prstGeom prst="rect">
@@ -3409,7 +3414,7 @@
         </p:nvSpPr>
         <p:spPr>
           <a:xfrm>
-            <a:off x="4981574" y="3428936"/>
+            <a:off x="6237786" y="3963974"/>
             <a:ext cx="1440000" cy="684000"/>
           </a:xfrm>
           <a:prstGeom prst="rect">
@@ -3467,7 +3472,7 @@
         </p:nvSpPr>
         <p:spPr>
           <a:xfrm>
-            <a:off x="6010275" y="587866"/>
+            <a:off x="7823468" y="393927"/>
             <a:ext cx="1440000" cy="684000"/>
           </a:xfrm>
           <a:prstGeom prst="rect">
@@ -3525,7 +3530,65 @@
         </p:nvSpPr>
         <p:spPr>
           <a:xfrm>
-            <a:off x="3369899" y="3428936"/>
+            <a:off x="6844054" y="1378348"/>
+            <a:ext cx="1440000" cy="646331"/>
+          </a:xfrm>
+          <a:prstGeom prst="rect">
+            <a:avLst/>
+          </a:prstGeom>
+        </p:spPr>
+        <p:style>
+          <a:lnRef idx="2">
+            <a:schemeClr val="accent1"/>
+          </a:lnRef>
+          <a:fillRef idx="1">
+            <a:schemeClr val="lt1"/>
+          </a:fillRef>
+          <a:effectRef idx="0">
+            <a:schemeClr val="accent1"/>
+          </a:effectRef>
+          <a:fontRef idx="minor">
+            <a:schemeClr val="dk1"/>
+          </a:fontRef>
+        </p:style>
+        <p:txBody>
+          <a:bodyPr wrap="square" rtlCol="0">
+            <a:spAutoFit/>
+          </a:bodyPr>
+          <a:lstStyle/>
+          <a:p>
+            <a:pPr algn="ctr"/>
+            <a:r>
+              <a:rPr lang="en-GB" dirty="0" err="1"/>
+              <a:t>Toutes</a:t>
+            </a:r>
+            <a:r>
+              <a:rPr lang="en-GB" dirty="0"/>
+              <a:t> les </a:t>
+            </a:r>
+            <a:r>
+              <a:rPr lang="en-GB" dirty="0" err="1"/>
+              <a:t>i-boucles</a:t>
+            </a:r>
+            <a:endParaRPr lang="en-GB" dirty="0"/>
+          </a:p>
+        </p:txBody>
+      </p:sp>
+      <p:sp>
+        <p:nvSpPr>
+          <p:cNvPr id="8" name="ZoneTexte 7">
+            <a:extLst>
+              <a:ext uri="{FF2B5EF4-FFF2-40B4-BE49-F238E27FC236}">
+                <a16:creationId xmlns:a16="http://schemas.microsoft.com/office/drawing/2014/main" id="{D27B40F6-F25C-4C12-846B-7E7F396DAE4D}"/>
+              </a:ext>
+            </a:extLst>
+          </p:cNvPr>
+          <p:cNvSpPr txBox="1"/>
+          <p:nvPr/>
+        </p:nvSpPr>
+        <p:spPr>
+          <a:xfrm>
+            <a:off x="9789625" y="4476840"/>
             <a:ext cx="1440000" cy="684000"/>
           </a:xfrm>
           <a:prstGeom prst="rect">
@@ -3559,22 +3622,17 @@
             </a:r>
             <a:r>
               <a:rPr lang="en-GB" dirty="0"/>
-              <a:t> les </a:t>
-            </a:r>
-            <a:r>
-              <a:rPr lang="en-GB" dirty="0" err="1"/>
-              <a:t>boucles</a:t>
-            </a:r>
-            <a:endParaRPr lang="en-GB" dirty="0"/>
-          </a:p>
-        </p:txBody>
-      </p:sp>
-      <p:sp>
-        <p:nvSpPr>
-          <p:cNvPr id="8" name="ZoneTexte 7">
-            <a:extLst>
-              <a:ext uri="{FF2B5EF4-FFF2-40B4-BE49-F238E27FC236}">
-                <a16:creationId xmlns:a16="http://schemas.microsoft.com/office/drawing/2014/main" id="{D27B40F6-F25C-4C12-846B-7E7F396DAE4D}"/>
+              <a:t> les utilisations</a:t>
+            </a:r>
+          </a:p>
+        </p:txBody>
+      </p:sp>
+      <p:sp>
+        <p:nvSpPr>
+          <p:cNvPr id="9" name="ZoneTexte 8">
+            <a:extLst>
+              <a:ext uri="{FF2B5EF4-FFF2-40B4-BE49-F238E27FC236}">
+                <a16:creationId xmlns:a16="http://schemas.microsoft.com/office/drawing/2014/main" id="{1534EB04-69F7-49EE-BADE-5B22FEAC9F02}"/>
               </a:ext>
             </a:extLst>
           </p:cNvPr>
@@ -3583,7 +3641,7 @@
         </p:nvSpPr>
         <p:spPr>
           <a:xfrm>
-            <a:off x="8924925" y="3428936"/>
+            <a:off x="9789625" y="5461535"/>
             <a:ext cx="1440000" cy="684000"/>
           </a:xfrm>
           <a:prstGeom prst="rect">
@@ -3617,17 +3675,22 @@
             </a:r>
             <a:r>
               <a:rPr lang="en-GB" dirty="0"/>
-              <a:t> les utilisations</a:t>
-            </a:r>
-          </a:p>
-        </p:txBody>
-      </p:sp>
-      <p:sp>
-        <p:nvSpPr>
-          <p:cNvPr id="9" name="ZoneTexte 8">
-            <a:extLst>
-              <a:ext uri="{FF2B5EF4-FFF2-40B4-BE49-F238E27FC236}">
-                <a16:creationId xmlns:a16="http://schemas.microsoft.com/office/drawing/2014/main" id="{1534EB04-69F7-49EE-BADE-5B22FEAC9F02}"/>
+              <a:t> les </a:t>
+            </a:r>
+            <a:r>
+              <a:rPr lang="en-GB" dirty="0" err="1"/>
+              <a:t>définitions</a:t>
+            </a:r>
+            <a:endParaRPr lang="en-GB" dirty="0"/>
+          </a:p>
+        </p:txBody>
+      </p:sp>
+      <p:sp>
+        <p:nvSpPr>
+          <p:cNvPr id="10" name="ZoneTexte 9">
+            <a:extLst>
+              <a:ext uri="{FF2B5EF4-FFF2-40B4-BE49-F238E27FC236}">
+                <a16:creationId xmlns:a16="http://schemas.microsoft.com/office/drawing/2014/main" id="{5A9E4394-FE6D-4B5A-904B-AD1840900580}"/>
               </a:ext>
             </a:extLst>
           </p:cNvPr>
@@ -3636,7 +3699,60 @@
         </p:nvSpPr>
         <p:spPr>
           <a:xfrm>
-            <a:off x="8924925" y="4585216"/>
+            <a:off x="9738100" y="3423503"/>
+            <a:ext cx="1543050" cy="646331"/>
+          </a:xfrm>
+          <a:prstGeom prst="rect">
+            <a:avLst/>
+          </a:prstGeom>
+        </p:spPr>
+        <p:style>
+          <a:lnRef idx="2">
+            <a:schemeClr val="accent1"/>
+          </a:lnRef>
+          <a:fillRef idx="1">
+            <a:schemeClr val="lt1"/>
+          </a:fillRef>
+          <a:effectRef idx="0">
+            <a:schemeClr val="accent1"/>
+          </a:effectRef>
+          <a:fontRef idx="minor">
+            <a:schemeClr val="dk1"/>
+          </a:fontRef>
+        </p:style>
+        <p:txBody>
+          <a:bodyPr wrap="square" rtlCol="0">
+            <a:spAutoFit/>
+          </a:bodyPr>
+          <a:lstStyle/>
+          <a:p>
+            <a:pPr algn="ctr"/>
+            <a:r>
+              <a:rPr lang="en-GB" dirty="0" err="1"/>
+              <a:t>Toutes</a:t>
+            </a:r>
+            <a:r>
+              <a:rPr lang="en-GB" dirty="0"/>
+              <a:t> les DU-utilisations</a:t>
+            </a:r>
+          </a:p>
+        </p:txBody>
+      </p:sp>
+      <p:sp>
+        <p:nvSpPr>
+          <p:cNvPr id="11" name="ZoneTexte 10">
+            <a:extLst>
+              <a:ext uri="{FF2B5EF4-FFF2-40B4-BE49-F238E27FC236}">
+                <a16:creationId xmlns:a16="http://schemas.microsoft.com/office/drawing/2014/main" id="{550B5EEC-FC77-4848-84CD-E90F80CD62B5}"/>
+              </a:ext>
+            </a:extLst>
+          </p:cNvPr>
+          <p:cNvSpPr txBox="1"/>
+          <p:nvPr/>
+        </p:nvSpPr>
+        <p:spPr>
+          <a:xfrm>
+            <a:off x="4748589" y="2035181"/>
             <a:ext cx="1440000" cy="684000"/>
           </a:xfrm>
           <a:prstGeom prst="rect">
@@ -3670,117 +3786,6 @@
             </a:r>
             <a:r>
               <a:rPr lang="en-GB" dirty="0"/>
-              <a:t> les </a:t>
-            </a:r>
-            <a:r>
-              <a:rPr lang="en-GB" dirty="0" err="1"/>
-              <a:t>définitions</a:t>
-            </a:r>
-            <a:endParaRPr lang="en-GB" dirty="0"/>
-          </a:p>
-        </p:txBody>
-      </p:sp>
-      <p:sp>
-        <p:nvSpPr>
-          <p:cNvPr id="10" name="ZoneTexte 9">
-            <a:extLst>
-              <a:ext uri="{FF2B5EF4-FFF2-40B4-BE49-F238E27FC236}">
-                <a16:creationId xmlns:a16="http://schemas.microsoft.com/office/drawing/2014/main" id="{5A9E4394-FE6D-4B5A-904B-AD1840900580}"/>
-              </a:ext>
-            </a:extLst>
-          </p:cNvPr>
-          <p:cNvSpPr txBox="1"/>
-          <p:nvPr/>
-        </p:nvSpPr>
-        <p:spPr>
-          <a:xfrm>
-            <a:off x="8873400" y="2310325"/>
-            <a:ext cx="1543050" cy="646331"/>
-          </a:xfrm>
-          <a:prstGeom prst="rect">
-            <a:avLst/>
-          </a:prstGeom>
-        </p:spPr>
-        <p:style>
-          <a:lnRef idx="2">
-            <a:schemeClr val="accent1"/>
-          </a:lnRef>
-          <a:fillRef idx="1">
-            <a:schemeClr val="lt1"/>
-          </a:fillRef>
-          <a:effectRef idx="0">
-            <a:schemeClr val="accent1"/>
-          </a:effectRef>
-          <a:fontRef idx="minor">
-            <a:schemeClr val="dk1"/>
-          </a:fontRef>
-        </p:style>
-        <p:txBody>
-          <a:bodyPr wrap="square" rtlCol="0">
-            <a:spAutoFit/>
-          </a:bodyPr>
-          <a:lstStyle/>
-          <a:p>
-            <a:pPr algn="ctr"/>
-            <a:r>
-              <a:rPr lang="en-GB" dirty="0" err="1"/>
-              <a:t>Toutes</a:t>
-            </a:r>
-            <a:r>
-              <a:rPr lang="en-GB" dirty="0"/>
-              <a:t> les DU-utilisations</a:t>
-            </a:r>
-          </a:p>
-        </p:txBody>
-      </p:sp>
-      <p:sp>
-        <p:nvSpPr>
-          <p:cNvPr id="11" name="ZoneTexte 10">
-            <a:extLst>
-              <a:ext uri="{FF2B5EF4-FFF2-40B4-BE49-F238E27FC236}">
-                <a16:creationId xmlns:a16="http://schemas.microsoft.com/office/drawing/2014/main" id="{550B5EEC-FC77-4848-84CD-E90F80CD62B5}"/>
-              </a:ext>
-            </a:extLst>
-          </p:cNvPr>
-          <p:cNvSpPr txBox="1"/>
-          <p:nvPr/>
-        </p:nvSpPr>
-        <p:spPr>
-          <a:xfrm>
-            <a:off x="3068362" y="587866"/>
-            <a:ext cx="1440000" cy="684000"/>
-          </a:xfrm>
-          <a:prstGeom prst="rect">
-            <a:avLst/>
-          </a:prstGeom>
-        </p:spPr>
-        <p:style>
-          <a:lnRef idx="2">
-            <a:schemeClr val="accent1"/>
-          </a:lnRef>
-          <a:fillRef idx="1">
-            <a:schemeClr val="lt1"/>
-          </a:fillRef>
-          <a:effectRef idx="0">
-            <a:schemeClr val="accent1"/>
-          </a:effectRef>
-          <a:fontRef idx="minor">
-            <a:schemeClr val="dk1"/>
-          </a:fontRef>
-        </p:style>
-        <p:txBody>
-          <a:bodyPr wrap="square" rtlCol="0">
-            <a:spAutoFit/>
-          </a:bodyPr>
-          <a:lstStyle/>
-          <a:p>
-            <a:pPr algn="ctr"/>
-            <a:r>
-              <a:rPr lang="en-GB" dirty="0" err="1"/>
-              <a:t>Toutes</a:t>
-            </a:r>
-            <a:r>
-              <a:rPr lang="en-GB" dirty="0"/>
               <a:t> les conditions</a:t>
             </a:r>
           </a:p>
@@ -3803,8 +3808,8 @@
         </p:nvCxnSpPr>
         <p:spPr>
           <a:xfrm>
-            <a:off x="9644925" y="4112936"/>
-            <a:ext cx="0" cy="472280"/>
+            <a:off x="10509625" y="5160840"/>
+            <a:ext cx="0" cy="300695"/>
           </a:xfrm>
           <a:prstGeom prst="straightConnector1">
             <a:avLst/>
@@ -3840,14 +3845,14 @@
           <p:cNvCxnSpPr>
             <a:cxnSpLocks/>
             <a:stCxn id="6" idx="2"/>
-            <a:endCxn id="32" idx="1"/>
+            <a:endCxn id="32" idx="0"/>
           </p:cNvCxnSpPr>
           <p:nvPr/>
         </p:nvCxnSpPr>
         <p:spPr>
           <a:xfrm>
-            <a:off x="6730275" y="1271866"/>
-            <a:ext cx="1501913" cy="215520"/>
+            <a:off x="8543468" y="1077927"/>
+            <a:ext cx="869368" cy="296892"/>
           </a:xfrm>
           <a:prstGeom prst="straightConnector1">
             <a:avLst/>
@@ -3889,8 +3894,8 @@
         </p:nvCxnSpPr>
         <p:spPr>
           <a:xfrm>
-            <a:off x="9644925" y="2956656"/>
-            <a:ext cx="0" cy="472280"/>
+            <a:off x="10509625" y="4069834"/>
+            <a:ext cx="0" cy="407006"/>
           </a:xfrm>
           <a:prstGeom prst="straightConnector1">
             <a:avLst/>
@@ -3932,8 +3937,8 @@
         </p:nvCxnSpPr>
         <p:spPr>
           <a:xfrm>
-            <a:off x="3788362" y="1271866"/>
-            <a:ext cx="1913212" cy="2157070"/>
+            <a:off x="5468589" y="2719181"/>
+            <a:ext cx="1489197" cy="1244793"/>
           </a:xfrm>
           <a:prstGeom prst="straightConnector1">
             <a:avLst/>
@@ -3975,8 +3980,8 @@
         </p:nvCxnSpPr>
         <p:spPr>
           <a:xfrm flipH="1">
-            <a:off x="5701574" y="1810551"/>
-            <a:ext cx="3250614" cy="1618385"/>
+            <a:off x="6957786" y="2021150"/>
+            <a:ext cx="2455050" cy="1942824"/>
           </a:xfrm>
           <a:prstGeom prst="straightConnector1">
             <a:avLst/>
@@ -4014,7 +4019,7 @@
         </p:nvSpPr>
         <p:spPr>
           <a:xfrm>
-            <a:off x="8232188" y="1164220"/>
+            <a:off x="8692836" y="1374819"/>
             <a:ext cx="1440000" cy="646331"/>
           </a:xfrm>
           <a:prstGeom prst="rect">
@@ -4076,8 +4081,8 @@
         </p:nvCxnSpPr>
         <p:spPr>
           <a:xfrm>
-            <a:off x="8952188" y="1810551"/>
-            <a:ext cx="692737" cy="499774"/>
+            <a:off x="9412836" y="2021150"/>
+            <a:ext cx="1096789" cy="1402353"/>
           </a:xfrm>
           <a:prstGeom prst="straightConnector1">
             <a:avLst/>
@@ -4101,6 +4106,1147 @@
           </a:fontRef>
         </p:style>
       </p:cxnSp>
+      <p:sp>
+        <p:nvSpPr>
+          <p:cNvPr id="35" name="Flèche vers le bas 34">
+            <a:extLst>
+              <a:ext uri="{FF2B5EF4-FFF2-40B4-BE49-F238E27FC236}">
+                <a16:creationId xmlns:a16="http://schemas.microsoft.com/office/drawing/2014/main" id="{B3C611C1-A652-8148-BCD9-0C3915A83ACC}"/>
+              </a:ext>
+            </a:extLst>
+          </p:cNvPr>
+          <p:cNvSpPr/>
+          <p:nvPr/>
+        </p:nvSpPr>
+        <p:spPr>
+          <a:xfrm rot="10800000">
+            <a:off x="2819139" y="576466"/>
+            <a:ext cx="914400" cy="6052929"/>
+          </a:xfrm>
+          <a:prstGeom prst="downArrow">
+            <a:avLst/>
+          </a:prstGeom>
+        </p:spPr>
+        <p:style>
+          <a:lnRef idx="2">
+            <a:schemeClr val="accent1">
+              <a:shade val="50000"/>
+            </a:schemeClr>
+          </a:lnRef>
+          <a:fillRef idx="1">
+            <a:schemeClr val="accent1"/>
+          </a:fillRef>
+          <a:effectRef idx="0">
+            <a:schemeClr val="accent1"/>
+          </a:effectRef>
+          <a:fontRef idx="minor">
+            <a:schemeClr val="lt1"/>
+          </a:fontRef>
+        </p:style>
+        <p:txBody>
+          <a:bodyPr rtlCol="0" anchor="ctr"/>
+          <a:lstStyle/>
+          <a:p>
+            <a:pPr algn="ctr"/>
+            <a:endParaRPr lang="fr-FR"/>
+          </a:p>
+        </p:txBody>
+      </p:sp>
+      <p:cxnSp>
+        <p:nvCxnSpPr>
+          <p:cNvPr id="41" name="Connecteur droit 40">
+            <a:extLst>
+              <a:ext uri="{FF2B5EF4-FFF2-40B4-BE49-F238E27FC236}">
+                <a16:creationId xmlns:a16="http://schemas.microsoft.com/office/drawing/2014/main" id="{7BB1C98A-33A7-D340-AA11-7EB22850E4A4}"/>
+              </a:ext>
+            </a:extLst>
+          </p:cNvPr>
+          <p:cNvCxnSpPr/>
+          <p:nvPr/>
+        </p:nvCxnSpPr>
+        <p:spPr>
+          <a:xfrm flipH="1">
+            <a:off x="2739884" y="6040394"/>
+            <a:ext cx="8905461" cy="0"/>
+          </a:xfrm>
+          <a:prstGeom prst="line">
+            <a:avLst/>
+          </a:prstGeom>
+          <a:ln>
+            <a:prstDash val="dash"/>
+          </a:ln>
+        </p:spPr>
+        <p:style>
+          <a:lnRef idx="1">
+            <a:schemeClr val="accent1"/>
+          </a:lnRef>
+          <a:fillRef idx="0">
+            <a:schemeClr val="accent1"/>
+          </a:fillRef>
+          <a:effectRef idx="0">
+            <a:schemeClr val="accent1"/>
+          </a:effectRef>
+          <a:fontRef idx="minor">
+            <a:schemeClr val="tx1"/>
+          </a:fontRef>
+        </p:style>
+      </p:cxnSp>
+      <p:cxnSp>
+        <p:nvCxnSpPr>
+          <p:cNvPr id="42" name="Connecteur droit 41">
+            <a:extLst>
+              <a:ext uri="{FF2B5EF4-FFF2-40B4-BE49-F238E27FC236}">
+                <a16:creationId xmlns:a16="http://schemas.microsoft.com/office/drawing/2014/main" id="{20BF57A6-C054-614E-AD29-8F2C73F445E6}"/>
+              </a:ext>
+            </a:extLst>
+          </p:cNvPr>
+          <p:cNvCxnSpPr/>
+          <p:nvPr/>
+        </p:nvCxnSpPr>
+        <p:spPr>
+          <a:xfrm flipH="1">
+            <a:off x="2739884" y="5462254"/>
+            <a:ext cx="8905461" cy="0"/>
+          </a:xfrm>
+          <a:prstGeom prst="line">
+            <a:avLst/>
+          </a:prstGeom>
+          <a:ln>
+            <a:prstDash val="dash"/>
+          </a:ln>
+        </p:spPr>
+        <p:style>
+          <a:lnRef idx="1">
+            <a:schemeClr val="accent1"/>
+          </a:lnRef>
+          <a:fillRef idx="0">
+            <a:schemeClr val="accent1"/>
+          </a:fillRef>
+          <a:effectRef idx="0">
+            <a:schemeClr val="accent1"/>
+          </a:effectRef>
+          <a:fontRef idx="minor">
+            <a:schemeClr val="tx1"/>
+          </a:fontRef>
+        </p:style>
+      </p:cxnSp>
+      <p:cxnSp>
+        <p:nvCxnSpPr>
+          <p:cNvPr id="43" name="Connecteur droit 42">
+            <a:extLst>
+              <a:ext uri="{FF2B5EF4-FFF2-40B4-BE49-F238E27FC236}">
+                <a16:creationId xmlns:a16="http://schemas.microsoft.com/office/drawing/2014/main" id="{68E056D6-B4F4-BB49-A51B-D0899A09A221}"/>
+              </a:ext>
+            </a:extLst>
+          </p:cNvPr>
+          <p:cNvCxnSpPr/>
+          <p:nvPr/>
+        </p:nvCxnSpPr>
+        <p:spPr>
+          <a:xfrm flipH="1">
+            <a:off x="2739884" y="4884114"/>
+            <a:ext cx="8905461" cy="0"/>
+          </a:xfrm>
+          <a:prstGeom prst="line">
+            <a:avLst/>
+          </a:prstGeom>
+          <a:ln>
+            <a:prstDash val="dash"/>
+          </a:ln>
+        </p:spPr>
+        <p:style>
+          <a:lnRef idx="1">
+            <a:schemeClr val="accent1"/>
+          </a:lnRef>
+          <a:fillRef idx="0">
+            <a:schemeClr val="accent1"/>
+          </a:fillRef>
+          <a:effectRef idx="0">
+            <a:schemeClr val="accent1"/>
+          </a:effectRef>
+          <a:fontRef idx="minor">
+            <a:schemeClr val="tx1"/>
+          </a:fontRef>
+        </p:style>
+      </p:cxnSp>
+      <p:cxnSp>
+        <p:nvCxnSpPr>
+          <p:cNvPr id="44" name="Connecteur droit 43">
+            <a:extLst>
+              <a:ext uri="{FF2B5EF4-FFF2-40B4-BE49-F238E27FC236}">
+                <a16:creationId xmlns:a16="http://schemas.microsoft.com/office/drawing/2014/main" id="{0FFB864F-9F3C-1642-86FC-B09164243C98}"/>
+              </a:ext>
+            </a:extLst>
+          </p:cNvPr>
+          <p:cNvCxnSpPr/>
+          <p:nvPr/>
+        </p:nvCxnSpPr>
+        <p:spPr>
+          <a:xfrm flipH="1">
+            <a:off x="2739884" y="4306692"/>
+            <a:ext cx="8905461" cy="0"/>
+          </a:xfrm>
+          <a:prstGeom prst="line">
+            <a:avLst/>
+          </a:prstGeom>
+          <a:ln>
+            <a:prstDash val="dash"/>
+          </a:ln>
+        </p:spPr>
+        <p:style>
+          <a:lnRef idx="1">
+            <a:schemeClr val="accent1"/>
+          </a:lnRef>
+          <a:fillRef idx="0">
+            <a:schemeClr val="accent1"/>
+          </a:fillRef>
+          <a:effectRef idx="0">
+            <a:schemeClr val="accent1"/>
+          </a:effectRef>
+          <a:fontRef idx="minor">
+            <a:schemeClr val="tx1"/>
+          </a:fontRef>
+        </p:style>
+      </p:cxnSp>
+      <p:cxnSp>
+        <p:nvCxnSpPr>
+          <p:cNvPr id="45" name="Connecteur droit 44">
+            <a:extLst>
+              <a:ext uri="{FF2B5EF4-FFF2-40B4-BE49-F238E27FC236}">
+                <a16:creationId xmlns:a16="http://schemas.microsoft.com/office/drawing/2014/main" id="{5126792D-7C15-CB4D-9A92-7B14D1F8B8B1}"/>
+              </a:ext>
+            </a:extLst>
+          </p:cNvPr>
+          <p:cNvCxnSpPr/>
+          <p:nvPr/>
+        </p:nvCxnSpPr>
+        <p:spPr>
+          <a:xfrm flipH="1">
+            <a:off x="2739884" y="3746668"/>
+            <a:ext cx="8905461" cy="0"/>
+          </a:xfrm>
+          <a:prstGeom prst="line">
+            <a:avLst/>
+          </a:prstGeom>
+          <a:ln>
+            <a:prstDash val="dash"/>
+          </a:ln>
+        </p:spPr>
+        <p:style>
+          <a:lnRef idx="1">
+            <a:schemeClr val="accent1"/>
+          </a:lnRef>
+          <a:fillRef idx="0">
+            <a:schemeClr val="accent1"/>
+          </a:fillRef>
+          <a:effectRef idx="0">
+            <a:schemeClr val="accent1"/>
+          </a:effectRef>
+          <a:fontRef idx="minor">
+            <a:schemeClr val="tx1"/>
+          </a:fontRef>
+        </p:style>
+      </p:cxnSp>
+      <p:cxnSp>
+        <p:nvCxnSpPr>
+          <p:cNvPr id="46" name="Connecteur droit 45">
+            <a:extLst>
+              <a:ext uri="{FF2B5EF4-FFF2-40B4-BE49-F238E27FC236}">
+                <a16:creationId xmlns:a16="http://schemas.microsoft.com/office/drawing/2014/main" id="{39C96B63-F891-924F-8E33-C8BC5BBD57C3}"/>
+              </a:ext>
+            </a:extLst>
+          </p:cNvPr>
+          <p:cNvCxnSpPr/>
+          <p:nvPr/>
+        </p:nvCxnSpPr>
+        <p:spPr>
+          <a:xfrm flipH="1">
+            <a:off x="2739884" y="2028165"/>
+            <a:ext cx="8905461" cy="0"/>
+          </a:xfrm>
+          <a:prstGeom prst="line">
+            <a:avLst/>
+          </a:prstGeom>
+          <a:ln>
+            <a:prstDash val="dash"/>
+          </a:ln>
+        </p:spPr>
+        <p:style>
+          <a:lnRef idx="1">
+            <a:schemeClr val="accent1"/>
+          </a:lnRef>
+          <a:fillRef idx="0">
+            <a:schemeClr val="accent1"/>
+          </a:fillRef>
+          <a:effectRef idx="0">
+            <a:schemeClr val="accent1"/>
+          </a:effectRef>
+          <a:fontRef idx="minor">
+            <a:schemeClr val="tx1"/>
+          </a:fontRef>
+        </p:style>
+      </p:cxnSp>
+      <p:cxnSp>
+        <p:nvCxnSpPr>
+          <p:cNvPr id="47" name="Connecteur droit 46">
+            <a:extLst>
+              <a:ext uri="{FF2B5EF4-FFF2-40B4-BE49-F238E27FC236}">
+                <a16:creationId xmlns:a16="http://schemas.microsoft.com/office/drawing/2014/main" id="{D8E2607B-252E-344E-BE92-5DAC44FB4711}"/>
+              </a:ext>
+            </a:extLst>
+          </p:cNvPr>
+          <p:cNvCxnSpPr/>
+          <p:nvPr/>
+        </p:nvCxnSpPr>
+        <p:spPr>
+          <a:xfrm flipH="1">
+            <a:off x="2739884" y="1371332"/>
+            <a:ext cx="8905461" cy="0"/>
+          </a:xfrm>
+          <a:prstGeom prst="line">
+            <a:avLst/>
+          </a:prstGeom>
+          <a:ln>
+            <a:prstDash val="dash"/>
+          </a:ln>
+        </p:spPr>
+        <p:style>
+          <a:lnRef idx="1">
+            <a:schemeClr val="accent1"/>
+          </a:lnRef>
+          <a:fillRef idx="0">
+            <a:schemeClr val="accent1"/>
+          </a:fillRef>
+          <a:effectRef idx="0">
+            <a:schemeClr val="accent1"/>
+          </a:effectRef>
+          <a:fontRef idx="minor">
+            <a:schemeClr val="tx1"/>
+          </a:fontRef>
+        </p:style>
+      </p:cxnSp>
+      <p:cxnSp>
+        <p:nvCxnSpPr>
+          <p:cNvPr id="48" name="Connecteur droit 47">
+            <a:extLst>
+              <a:ext uri="{FF2B5EF4-FFF2-40B4-BE49-F238E27FC236}">
+                <a16:creationId xmlns:a16="http://schemas.microsoft.com/office/drawing/2014/main" id="{5ABC6EBD-95C7-6D48-B724-A370F3A9AD95}"/>
+              </a:ext>
+            </a:extLst>
+          </p:cNvPr>
+          <p:cNvCxnSpPr/>
+          <p:nvPr/>
+        </p:nvCxnSpPr>
+        <p:spPr>
+          <a:xfrm flipH="1">
+            <a:off x="2739884" y="736208"/>
+            <a:ext cx="8905461" cy="0"/>
+          </a:xfrm>
+          <a:prstGeom prst="line">
+            <a:avLst/>
+          </a:prstGeom>
+          <a:ln>
+            <a:prstDash val="dash"/>
+          </a:ln>
+        </p:spPr>
+        <p:style>
+          <a:lnRef idx="1">
+            <a:schemeClr val="accent1"/>
+          </a:lnRef>
+          <a:fillRef idx="0">
+            <a:schemeClr val="accent1"/>
+          </a:fillRef>
+          <a:effectRef idx="0">
+            <a:schemeClr val="accent1"/>
+          </a:effectRef>
+          <a:fontRef idx="minor">
+            <a:schemeClr val="tx1"/>
+          </a:fontRef>
+        </p:style>
+      </p:cxnSp>
+      <p:cxnSp>
+        <p:nvCxnSpPr>
+          <p:cNvPr id="50" name="Connecteur droit avec flèche 49">
+            <a:extLst>
+              <a:ext uri="{FF2B5EF4-FFF2-40B4-BE49-F238E27FC236}">
+                <a16:creationId xmlns:a16="http://schemas.microsoft.com/office/drawing/2014/main" id="{95BDAF31-B3F1-0B44-B8DB-F2216AB32DB4}"/>
+              </a:ext>
+            </a:extLst>
+          </p:cNvPr>
+          <p:cNvCxnSpPr>
+            <a:cxnSpLocks/>
+            <a:stCxn id="6" idx="2"/>
+            <a:endCxn id="7" idx="0"/>
+          </p:cNvCxnSpPr>
+          <p:nvPr/>
+        </p:nvCxnSpPr>
+        <p:spPr>
+          <a:xfrm flipH="1">
+            <a:off x="7564054" y="1077927"/>
+            <a:ext cx="979414" cy="300421"/>
+          </a:xfrm>
+          <a:prstGeom prst="straightConnector1">
+            <a:avLst/>
+          </a:prstGeom>
+          <a:ln w="28575">
+            <a:tailEnd type="triangle"/>
+          </a:ln>
+        </p:spPr>
+        <p:style>
+          <a:lnRef idx="1">
+            <a:schemeClr val="accent1"/>
+          </a:lnRef>
+          <a:fillRef idx="0">
+            <a:schemeClr val="accent1"/>
+          </a:fillRef>
+          <a:effectRef idx="0">
+            <a:schemeClr val="accent1"/>
+          </a:effectRef>
+          <a:fontRef idx="minor">
+            <a:schemeClr val="tx1"/>
+          </a:fontRef>
+        </p:style>
+      </p:cxnSp>
+      <p:cxnSp>
+        <p:nvCxnSpPr>
+          <p:cNvPr id="53" name="Connecteur droit avec flèche 52">
+            <a:extLst>
+              <a:ext uri="{FF2B5EF4-FFF2-40B4-BE49-F238E27FC236}">
+                <a16:creationId xmlns:a16="http://schemas.microsoft.com/office/drawing/2014/main" id="{2BA9AFF0-BDA6-2F4C-BD7F-488B285DA40F}"/>
+              </a:ext>
+            </a:extLst>
+          </p:cNvPr>
+          <p:cNvCxnSpPr>
+            <a:cxnSpLocks/>
+            <a:stCxn id="5" idx="2"/>
+            <a:endCxn id="4" idx="0"/>
+          </p:cNvCxnSpPr>
+          <p:nvPr/>
+        </p:nvCxnSpPr>
+        <p:spPr>
+          <a:xfrm>
+            <a:off x="6957786" y="4647974"/>
+            <a:ext cx="0" cy="1180073"/>
+          </a:xfrm>
+          <a:prstGeom prst="straightConnector1">
+            <a:avLst/>
+          </a:prstGeom>
+          <a:ln w="28575">
+            <a:tailEnd type="triangle"/>
+          </a:ln>
+        </p:spPr>
+        <p:style>
+          <a:lnRef idx="1">
+            <a:schemeClr val="accent1"/>
+          </a:lnRef>
+          <a:fillRef idx="0">
+            <a:schemeClr val="accent1"/>
+          </a:fillRef>
+          <a:effectRef idx="0">
+            <a:schemeClr val="accent1"/>
+          </a:effectRef>
+          <a:fontRef idx="minor">
+            <a:schemeClr val="tx1"/>
+          </a:fontRef>
+        </p:style>
+      </p:cxnSp>
+      <p:sp>
+        <p:nvSpPr>
+          <p:cNvPr id="56" name="ZoneTexte 55">
+            <a:extLst>
+              <a:ext uri="{FF2B5EF4-FFF2-40B4-BE49-F238E27FC236}">
+                <a16:creationId xmlns:a16="http://schemas.microsoft.com/office/drawing/2014/main" id="{5C407B81-690A-4F4D-959A-0AC24D30B2D2}"/>
+              </a:ext>
+            </a:extLst>
+          </p:cNvPr>
+          <p:cNvSpPr txBox="1"/>
+          <p:nvPr/>
+        </p:nvSpPr>
+        <p:spPr>
+          <a:xfrm>
+            <a:off x="2661898" y="115816"/>
+            <a:ext cx="1245707" cy="369332"/>
+          </a:xfrm>
+          <a:prstGeom prst="rect">
+            <a:avLst/>
+          </a:prstGeom>
+          <a:solidFill>
+            <a:schemeClr val="bg1"/>
+          </a:solidFill>
+          <a:ln>
+            <a:solidFill>
+              <a:schemeClr val="accent1"/>
+            </a:solidFill>
+          </a:ln>
+        </p:spPr>
+        <p:txBody>
+          <a:bodyPr wrap="square" rtlCol="0">
+            <a:spAutoFit/>
+          </a:bodyPr>
+          <a:lstStyle/>
+          <a:p>
+            <a:pPr algn="ctr"/>
+            <a:r>
+              <a:rPr lang="fr-FR" dirty="0"/>
+              <a:t>TRES FORT</a:t>
+            </a:r>
+          </a:p>
+        </p:txBody>
+      </p:sp>
+      <p:sp>
+        <p:nvSpPr>
+          <p:cNvPr id="57" name="ZoneTexte 56">
+            <a:extLst>
+              <a:ext uri="{FF2B5EF4-FFF2-40B4-BE49-F238E27FC236}">
+                <a16:creationId xmlns:a16="http://schemas.microsoft.com/office/drawing/2014/main" id="{5AC2880A-A182-AD43-9A64-1B73CCA5ED3E}"/>
+              </a:ext>
+            </a:extLst>
+          </p:cNvPr>
+          <p:cNvSpPr txBox="1"/>
+          <p:nvPr/>
+        </p:nvSpPr>
+        <p:spPr>
+          <a:xfrm>
+            <a:off x="2534216" y="6327381"/>
+            <a:ext cx="1501073" cy="369332"/>
+          </a:xfrm>
+          <a:prstGeom prst="rect">
+            <a:avLst/>
+          </a:prstGeom>
+          <a:solidFill>
+            <a:schemeClr val="bg1"/>
+          </a:solidFill>
+          <a:ln>
+            <a:solidFill>
+              <a:schemeClr val="accent1"/>
+            </a:solidFill>
+          </a:ln>
+        </p:spPr>
+        <p:txBody>
+          <a:bodyPr wrap="square" rtlCol="0">
+            <a:spAutoFit/>
+          </a:bodyPr>
+          <a:lstStyle/>
+          <a:p>
+            <a:pPr algn="ctr"/>
+            <a:r>
+              <a:rPr lang="fr-FR" dirty="0"/>
+              <a:t>MOINS FORT</a:t>
+            </a:r>
+          </a:p>
+        </p:txBody>
+      </p:sp>
+      <p:graphicFrame>
+        <p:nvGraphicFramePr>
+          <p:cNvPr id="58" name="Tableau 57">
+            <a:extLst>
+              <a:ext uri="{FF2B5EF4-FFF2-40B4-BE49-F238E27FC236}">
+                <a16:creationId xmlns:a16="http://schemas.microsoft.com/office/drawing/2014/main" id="{0FEB1A48-31CF-5F47-A598-E31A94E8AF8E}"/>
+              </a:ext>
+            </a:extLst>
+          </p:cNvPr>
+          <p:cNvGraphicFramePr>
+            <a:graphicFrameLocks noGrp="1"/>
+          </p:cNvGraphicFramePr>
+          <p:nvPr>
+            <p:extLst>
+              <p:ext uri="{D42A27DB-BD31-4B8C-83A1-F6EECF244321}">
+                <p14:modId xmlns:p14="http://schemas.microsoft.com/office/powerpoint/2010/main" val="2009173879"/>
+              </p:ext>
+            </p:extLst>
+          </p:nvPr>
+        </p:nvGraphicFramePr>
+        <p:xfrm>
+          <a:off x="246794" y="725557"/>
+          <a:ext cx="2312930" cy="6057146"/>
+        </p:xfrm>
+        <a:graphic>
+          <a:graphicData uri="http://schemas.openxmlformats.org/drawingml/2006/table">
+            <a:tbl>
+              <a:tblPr firstRow="1" bandRow="1">
+                <a:tableStyleId>{5C22544A-7EE6-4342-B048-85BDC9FD1C3A}</a:tableStyleId>
+              </a:tblPr>
+              <a:tblGrid>
+                <a:gridCol w="2312930">
+                  <a:extLst>
+                    <a:ext uri="{9D8B030D-6E8A-4147-A177-3AD203B41FA5}">
+                      <a16:colId xmlns:a16="http://schemas.microsoft.com/office/drawing/2014/main" val="2749306708"/>
+                    </a:ext>
+                  </a:extLst>
+                </a:gridCol>
+              </a:tblGrid>
+              <a:tr h="636104">
+                <a:tc>
+                  <a:txBody>
+                    <a:bodyPr/>
+                    <a:lstStyle/>
+                    <a:p>
+                      <a:r>
+                        <a:rPr lang="fr-FR" sz="1100" b="0" dirty="0">
+                          <a:solidFill>
+                            <a:schemeClr val="tx1"/>
+                          </a:solidFill>
+                        </a:rPr>
+                        <a:t>Tous les chemins est le plus fort des critères</a:t>
+                      </a:r>
+                    </a:p>
+                  </a:txBody>
+                  <a:tcPr>
+                    <a:lnL w="12700" cap="flat" cmpd="sng" algn="ctr">
+                      <a:noFill/>
+                      <a:prstDash val="solid"/>
+                      <a:round/>
+                      <a:headEnd type="none" w="med" len="med"/>
+                      <a:tailEnd type="none" w="med" len="med"/>
+                    </a:lnL>
+                    <a:lnR w="12700" cap="flat" cmpd="sng" algn="ctr">
+                      <a:noFill/>
+                      <a:prstDash val="solid"/>
+                      <a:round/>
+                      <a:headEnd type="none" w="med" len="med"/>
+                      <a:tailEnd type="none" w="med" len="med"/>
+                    </a:lnR>
+                    <a:lnT w="12700" cap="flat" cmpd="sng" algn="ctr">
+                      <a:noFill/>
+                      <a:prstDash val="solid"/>
+                      <a:round/>
+                      <a:headEnd type="none" w="med" len="med"/>
+                      <a:tailEnd type="none" w="med" len="med"/>
+                    </a:lnT>
+                    <a:lnB w="3175" cap="flat" cmpd="sng" algn="ctr">
+                      <a:solidFill>
+                        <a:schemeClr val="tx1"/>
+                      </a:solidFill>
+                      <a:prstDash val="lgDashDot"/>
+                      <a:round/>
+                      <a:headEnd type="none" w="med" len="med"/>
+                      <a:tailEnd type="none" w="med" len="med"/>
+                    </a:lnB>
+                    <a:lnTlToBr w="12700" cmpd="sng">
+                      <a:noFill/>
+                      <a:prstDash val="solid"/>
+                    </a:lnTlToBr>
+                    <a:lnBlToTr w="12700" cmpd="sng">
+                      <a:noFill/>
+                      <a:prstDash val="solid"/>
+                    </a:lnBlToTr>
+                    <a:noFill/>
+                  </a:tcPr>
+                </a:tc>
+                <a:extLst>
+                  <a:ext uri="{0D108BD9-81ED-4DB2-BD59-A6C34878D82A}">
+                    <a16:rowId xmlns:a16="http://schemas.microsoft.com/office/drawing/2014/main" val="2599366984"/>
+                  </a:ext>
+                </a:extLst>
+              </a:tr>
+              <a:tr h="665922">
+                <a:tc>
+                  <a:txBody>
+                    <a:bodyPr/>
+                    <a:lstStyle/>
+                    <a:p>
+                      <a:r>
+                        <a:rPr lang="fr-FR" sz="1100" dirty="0">
+                          <a:solidFill>
+                            <a:schemeClr val="tx1"/>
+                          </a:solidFill>
+                        </a:rPr>
+                        <a:t>Toutes les i-boucles et tous les k-chemins sont relativement équivalents (dépend de i et k)</a:t>
+                      </a:r>
+                    </a:p>
+                  </a:txBody>
+                  <a:tcPr>
+                    <a:lnL w="12700" cap="flat" cmpd="sng" algn="ctr">
+                      <a:noFill/>
+                      <a:prstDash val="solid"/>
+                      <a:round/>
+                      <a:headEnd type="none" w="med" len="med"/>
+                      <a:tailEnd type="none" w="med" len="med"/>
+                    </a:lnL>
+                    <a:lnR w="12700" cap="flat" cmpd="sng" algn="ctr">
+                      <a:noFill/>
+                      <a:prstDash val="solid"/>
+                      <a:round/>
+                      <a:headEnd type="none" w="med" len="med"/>
+                      <a:tailEnd type="none" w="med" len="med"/>
+                    </a:lnR>
+                    <a:lnT w="3175" cap="flat" cmpd="sng" algn="ctr">
+                      <a:solidFill>
+                        <a:schemeClr val="tx1"/>
+                      </a:solidFill>
+                      <a:prstDash val="lgDashDot"/>
+                      <a:round/>
+                      <a:headEnd type="none" w="med" len="med"/>
+                      <a:tailEnd type="none" w="med" len="med"/>
+                    </a:lnT>
+                    <a:lnB w="3175" cap="flat" cmpd="sng" algn="ctr">
+                      <a:solidFill>
+                        <a:schemeClr val="tx1"/>
+                      </a:solidFill>
+                      <a:prstDash val="lgDashDot"/>
+                      <a:round/>
+                      <a:headEnd type="none" w="med" len="med"/>
+                      <a:tailEnd type="none" w="med" len="med"/>
+                    </a:lnB>
+                    <a:lnTlToBr w="12700" cmpd="sng">
+                      <a:noFill/>
+                      <a:prstDash val="solid"/>
+                    </a:lnTlToBr>
+                    <a:lnBlToTr w="12700" cmpd="sng">
+                      <a:noFill/>
+                      <a:prstDash val="solid"/>
+                    </a:lnBlToTr>
+                    <a:noFill/>
+                  </a:tcPr>
+                </a:tc>
+                <a:extLst>
+                  <a:ext uri="{0D108BD9-81ED-4DB2-BD59-A6C34878D82A}">
+                    <a16:rowId xmlns:a16="http://schemas.microsoft.com/office/drawing/2014/main" val="2210363632"/>
+                  </a:ext>
+                </a:extLst>
+              </a:tr>
+              <a:tr h="1689652">
+                <a:tc>
+                  <a:txBody>
+                    <a:bodyPr/>
+                    <a:lstStyle/>
+                    <a:p>
+                      <a:r>
+                        <a:rPr lang="fr-FR" sz="1100" dirty="0">
+                          <a:solidFill>
+                            <a:schemeClr val="tx1"/>
+                          </a:solidFill>
+                        </a:rPr>
+                        <a:t>Toutes les conditions est moins fort que les i-boucles et k-chemins, </a:t>
+                      </a:r>
+                      <a:r>
+                        <a:rPr lang="fr-FR" sz="1100" dirty="0" err="1">
+                          <a:solidFill>
+                            <a:schemeClr val="tx1"/>
+                          </a:solidFill>
+                        </a:rPr>
+                        <a:t>cf</a:t>
+                      </a:r>
+                      <a:r>
+                        <a:rPr lang="fr-FR" sz="1100" dirty="0">
+                          <a:solidFill>
+                            <a:schemeClr val="tx1"/>
+                          </a:solidFill>
+                        </a:rPr>
+                        <a:t> programme 1</a:t>
+                      </a:r>
+                    </a:p>
+                    <a:p>
+                      <a:endParaRPr lang="fr-FR" sz="1100" dirty="0">
+                        <a:solidFill>
+                          <a:schemeClr val="tx1"/>
+                        </a:solidFill>
+                      </a:endParaRPr>
+                    </a:p>
+                    <a:p>
+                      <a:endParaRPr lang="fr-FR" sz="1100" dirty="0">
+                        <a:solidFill>
+                          <a:schemeClr val="tx1"/>
+                        </a:solidFill>
+                      </a:endParaRPr>
+                    </a:p>
+                  </a:txBody>
+                  <a:tcPr>
+                    <a:lnL w="12700" cap="flat" cmpd="sng" algn="ctr">
+                      <a:noFill/>
+                      <a:prstDash val="solid"/>
+                      <a:round/>
+                      <a:headEnd type="none" w="med" len="med"/>
+                      <a:tailEnd type="none" w="med" len="med"/>
+                    </a:lnL>
+                    <a:lnR w="12700" cap="flat" cmpd="sng" algn="ctr">
+                      <a:noFill/>
+                      <a:prstDash val="solid"/>
+                      <a:round/>
+                      <a:headEnd type="none" w="med" len="med"/>
+                      <a:tailEnd type="none" w="med" len="med"/>
+                    </a:lnR>
+                    <a:lnT w="3175" cap="flat" cmpd="sng" algn="ctr">
+                      <a:solidFill>
+                        <a:schemeClr val="tx1"/>
+                      </a:solidFill>
+                      <a:prstDash val="lgDashDot"/>
+                      <a:round/>
+                      <a:headEnd type="none" w="med" len="med"/>
+                      <a:tailEnd type="none" w="med" len="med"/>
+                    </a:lnT>
+                    <a:lnB w="3175" cap="flat" cmpd="sng" algn="ctr">
+                      <a:solidFill>
+                        <a:schemeClr val="tx1"/>
+                      </a:solidFill>
+                      <a:prstDash val="lgDashDot"/>
+                      <a:round/>
+                      <a:headEnd type="none" w="med" len="med"/>
+                      <a:tailEnd type="none" w="med" len="med"/>
+                    </a:lnB>
+                    <a:lnTlToBr w="12700" cmpd="sng">
+                      <a:noFill/>
+                      <a:prstDash val="solid"/>
+                    </a:lnTlToBr>
+                    <a:lnBlToTr w="12700" cmpd="sng">
+                      <a:noFill/>
+                      <a:prstDash val="solid"/>
+                    </a:lnBlToTr>
+                    <a:noFill/>
+                  </a:tcPr>
+                </a:tc>
+                <a:extLst>
+                  <a:ext uri="{0D108BD9-81ED-4DB2-BD59-A6C34878D82A}">
+                    <a16:rowId xmlns:a16="http://schemas.microsoft.com/office/drawing/2014/main" val="761438002"/>
+                  </a:ext>
+                </a:extLst>
+              </a:tr>
+              <a:tr h="546652">
+                <a:tc>
+                  <a:txBody>
+                    <a:bodyPr/>
+                    <a:lstStyle/>
+                    <a:p>
+                      <a:r>
+                        <a:rPr lang="fr-FR" sz="1100" dirty="0">
+                          <a:solidFill>
+                            <a:schemeClr val="tx1"/>
+                          </a:solidFill>
+                        </a:rPr>
+                        <a:t>Toutes les DU-utilisations : on ne doit parcourir qu’une seule fois les boucles sur les chemins partiels</a:t>
+                      </a:r>
+                    </a:p>
+                  </a:txBody>
+                  <a:tcPr>
+                    <a:lnL w="12700" cap="flat" cmpd="sng" algn="ctr">
+                      <a:noFill/>
+                      <a:prstDash val="solid"/>
+                      <a:round/>
+                      <a:headEnd type="none" w="med" len="med"/>
+                      <a:tailEnd type="none" w="med" len="med"/>
+                    </a:lnL>
+                    <a:lnR w="12700" cap="flat" cmpd="sng" algn="ctr">
+                      <a:noFill/>
+                      <a:prstDash val="solid"/>
+                      <a:round/>
+                      <a:headEnd type="none" w="med" len="med"/>
+                      <a:tailEnd type="none" w="med" len="med"/>
+                    </a:lnR>
+                    <a:lnT w="3175" cap="flat" cmpd="sng" algn="ctr">
+                      <a:solidFill>
+                        <a:schemeClr val="tx1"/>
+                      </a:solidFill>
+                      <a:prstDash val="lgDashDot"/>
+                      <a:round/>
+                      <a:headEnd type="none" w="med" len="med"/>
+                      <a:tailEnd type="none" w="med" len="med"/>
+                    </a:lnT>
+                    <a:lnB w="3175" cap="flat" cmpd="sng" algn="ctr">
+                      <a:solidFill>
+                        <a:schemeClr val="tx1"/>
+                      </a:solidFill>
+                      <a:prstDash val="lgDash"/>
+                      <a:round/>
+                      <a:headEnd type="none" w="med" len="med"/>
+                      <a:tailEnd type="none" w="med" len="med"/>
+                    </a:lnB>
+                    <a:lnTlToBr w="12700" cmpd="sng">
+                      <a:noFill/>
+                      <a:prstDash val="solid"/>
+                    </a:lnTlToBr>
+                    <a:lnBlToTr w="12700" cmpd="sng">
+                      <a:noFill/>
+                      <a:prstDash val="solid"/>
+                    </a:lnBlToTr>
+                    <a:noFill/>
+                  </a:tcPr>
+                </a:tc>
+                <a:extLst>
+                  <a:ext uri="{0D108BD9-81ED-4DB2-BD59-A6C34878D82A}">
+                    <a16:rowId xmlns:a16="http://schemas.microsoft.com/office/drawing/2014/main" val="798089531"/>
+                  </a:ext>
+                </a:extLst>
+              </a:tr>
+              <a:tr h="586409">
+                <a:tc>
+                  <a:txBody>
+                    <a:bodyPr/>
+                    <a:lstStyle/>
+                    <a:p>
+                      <a:endParaRPr lang="fr-FR" sz="1100" dirty="0">
+                        <a:solidFill>
+                          <a:schemeClr val="tx1"/>
+                        </a:solidFill>
+                      </a:endParaRPr>
+                    </a:p>
+                  </a:txBody>
+                  <a:tcPr>
+                    <a:lnL w="12700" cap="flat" cmpd="sng" algn="ctr">
+                      <a:noFill/>
+                      <a:prstDash val="solid"/>
+                      <a:round/>
+                      <a:headEnd type="none" w="med" len="med"/>
+                      <a:tailEnd type="none" w="med" len="med"/>
+                    </a:lnL>
+                    <a:lnR w="12700" cap="flat" cmpd="sng" algn="ctr">
+                      <a:noFill/>
+                      <a:prstDash val="solid"/>
+                      <a:round/>
+                      <a:headEnd type="none" w="med" len="med"/>
+                      <a:tailEnd type="none" w="med" len="med"/>
+                    </a:lnR>
+                    <a:lnT w="3175" cap="flat" cmpd="sng" algn="ctr">
+                      <a:solidFill>
+                        <a:schemeClr val="tx1"/>
+                      </a:solidFill>
+                      <a:prstDash val="lgDash"/>
+                      <a:round/>
+                      <a:headEnd type="none" w="med" len="med"/>
+                      <a:tailEnd type="none" w="med" len="med"/>
+                    </a:lnT>
+                    <a:lnB w="3175" cap="flat" cmpd="sng" algn="ctr">
+                      <a:solidFill>
+                        <a:schemeClr val="tx1"/>
+                      </a:solidFill>
+                      <a:prstDash val="lgDash"/>
+                      <a:round/>
+                      <a:headEnd type="none" w="med" len="med"/>
+                      <a:tailEnd type="none" w="med" len="med"/>
+                    </a:lnB>
+                    <a:lnTlToBr w="12700" cmpd="sng">
+                      <a:noFill/>
+                      <a:prstDash val="solid"/>
+                    </a:lnTlToBr>
+                    <a:lnBlToTr w="12700" cmpd="sng">
+                      <a:noFill/>
+                      <a:prstDash val="solid"/>
+                    </a:lnBlToTr>
+                    <a:noFill/>
+                  </a:tcPr>
+                </a:tc>
+                <a:extLst>
+                  <a:ext uri="{0D108BD9-81ED-4DB2-BD59-A6C34878D82A}">
+                    <a16:rowId xmlns:a16="http://schemas.microsoft.com/office/drawing/2014/main" val="2870505957"/>
+                  </a:ext>
+                </a:extLst>
+              </a:tr>
+              <a:tr h="566531">
+                <a:tc>
+                  <a:txBody>
+                    <a:bodyPr/>
+                    <a:lstStyle/>
+                    <a:p>
+                      <a:r>
+                        <a:rPr lang="fr-FR" sz="1100" dirty="0">
+                          <a:solidFill>
+                            <a:schemeClr val="tx1"/>
+                          </a:solidFill>
+                        </a:rPr>
+                        <a:t>Chaque couple de variable définie/utilisée doit être parcouru</a:t>
+                      </a:r>
+                    </a:p>
+                  </a:txBody>
+                  <a:tcPr>
+                    <a:lnL w="12700" cap="flat" cmpd="sng" algn="ctr">
+                      <a:noFill/>
+                      <a:prstDash val="solid"/>
+                      <a:round/>
+                      <a:headEnd type="none" w="med" len="med"/>
+                      <a:tailEnd type="none" w="med" len="med"/>
+                    </a:lnL>
+                    <a:lnR w="12700" cap="flat" cmpd="sng" algn="ctr">
+                      <a:noFill/>
+                      <a:prstDash val="solid"/>
+                      <a:round/>
+                      <a:headEnd type="none" w="med" len="med"/>
+                      <a:tailEnd type="none" w="med" len="med"/>
+                    </a:lnR>
+                    <a:lnT w="3175" cap="flat" cmpd="sng" algn="ctr">
+                      <a:solidFill>
+                        <a:schemeClr val="tx1"/>
+                      </a:solidFill>
+                      <a:prstDash val="lgDash"/>
+                      <a:round/>
+                      <a:headEnd type="none" w="med" len="med"/>
+                      <a:tailEnd type="none" w="med" len="med"/>
+                    </a:lnT>
+                    <a:lnB w="3175" cap="flat" cmpd="sng" algn="ctr">
+                      <a:solidFill>
+                        <a:schemeClr val="tx1"/>
+                      </a:solidFill>
+                      <a:prstDash val="lgDash"/>
+                      <a:round/>
+                      <a:headEnd type="none" w="med" len="med"/>
+                      <a:tailEnd type="none" w="med" len="med"/>
+                    </a:lnB>
+                    <a:lnTlToBr w="12700" cmpd="sng">
+                      <a:noFill/>
+                      <a:prstDash val="solid"/>
+                    </a:lnTlToBr>
+                    <a:lnBlToTr w="12700" cmpd="sng">
+                      <a:noFill/>
+                      <a:prstDash val="solid"/>
+                    </a:lnBlToTr>
+                    <a:noFill/>
+                  </a:tcPr>
+                </a:tc>
+                <a:extLst>
+                  <a:ext uri="{0D108BD9-81ED-4DB2-BD59-A6C34878D82A}">
+                    <a16:rowId xmlns:a16="http://schemas.microsoft.com/office/drawing/2014/main" val="3478019421"/>
+                  </a:ext>
+                </a:extLst>
+              </a:tr>
+              <a:tr h="341905">
+                <a:tc>
+                  <a:txBody>
+                    <a:bodyPr/>
+                    <a:lstStyle/>
+                    <a:p>
+                      <a:pPr marL="0" marR="0" lvl="0" indent="0" algn="l" defTabSz="914400" rtl="0" eaLnBrk="1" fontAlgn="auto" latinLnBrk="0" hangingPunct="1">
+                        <a:lnSpc>
+                          <a:spcPct val="100000"/>
+                        </a:lnSpc>
+                        <a:spcBef>
+                          <a:spcPts val="0"/>
+                        </a:spcBef>
+                        <a:spcAft>
+                          <a:spcPts val="0"/>
+                        </a:spcAft>
+                        <a:buClrTx/>
+                        <a:buSzTx/>
+                        <a:buFontTx/>
+                        <a:buNone/>
+                        <a:tabLst/>
+                        <a:defRPr/>
+                      </a:pPr>
+                      <a:r>
+                        <a:rPr lang="fr-FR" sz="1100" dirty="0">
+                          <a:solidFill>
+                            <a:schemeClr val="tx1"/>
+                          </a:solidFill>
+                        </a:rPr>
+                        <a:t>Idem que pour les affectations, mais il faut en plus utiliser au moins une fois cette variable définie</a:t>
+                      </a:r>
+                    </a:p>
+                  </a:txBody>
+                  <a:tcPr>
+                    <a:lnL w="12700" cap="flat" cmpd="sng" algn="ctr">
+                      <a:noFill/>
+                      <a:prstDash val="solid"/>
+                      <a:round/>
+                      <a:headEnd type="none" w="med" len="med"/>
+                      <a:tailEnd type="none" w="med" len="med"/>
+                    </a:lnL>
+                    <a:lnR w="12700" cap="flat" cmpd="sng" algn="ctr">
+                      <a:noFill/>
+                      <a:prstDash val="solid"/>
+                      <a:round/>
+                      <a:headEnd type="none" w="med" len="med"/>
+                      <a:tailEnd type="none" w="med" len="med"/>
+                    </a:lnR>
+                    <a:lnT w="3175" cap="flat" cmpd="sng" algn="ctr">
+                      <a:solidFill>
+                        <a:schemeClr val="tx1"/>
+                      </a:solidFill>
+                      <a:prstDash val="lgDash"/>
+                      <a:round/>
+                      <a:headEnd type="none" w="med" len="med"/>
+                      <a:tailEnd type="none" w="med" len="med"/>
+                    </a:lnT>
+                    <a:lnB w="3175" cap="flat" cmpd="sng" algn="ctr">
+                      <a:solidFill>
+                        <a:schemeClr val="tx1"/>
+                      </a:solidFill>
+                      <a:prstDash val="lgDash"/>
+                      <a:round/>
+                      <a:headEnd type="none" w="med" len="med"/>
+                      <a:tailEnd type="none" w="med" len="med"/>
+                    </a:lnB>
+                    <a:lnTlToBr w="12700" cmpd="sng">
+                      <a:noFill/>
+                      <a:prstDash val="solid"/>
+                    </a:lnTlToBr>
+                    <a:lnBlToTr w="12700" cmpd="sng">
+                      <a:noFill/>
+                      <a:prstDash val="solid"/>
+                    </a:lnBlToTr>
+                    <a:noFill/>
+                  </a:tcPr>
+                </a:tc>
+                <a:extLst>
+                  <a:ext uri="{0D108BD9-81ED-4DB2-BD59-A6C34878D82A}">
+                    <a16:rowId xmlns:a16="http://schemas.microsoft.com/office/drawing/2014/main" val="1588937817"/>
+                  </a:ext>
+                </a:extLst>
+              </a:tr>
+              <a:tr h="723808">
+                <a:tc>
+                  <a:txBody>
+                    <a:bodyPr/>
+                    <a:lstStyle/>
+                    <a:p>
+                      <a:r>
+                        <a:rPr lang="fr-FR" sz="1100" dirty="0">
+                          <a:solidFill>
+                            <a:schemeClr val="tx1"/>
+                          </a:solidFill>
+                        </a:rPr>
+                        <a:t>Il suffit de passer par toutes les arêtes d’affectations</a:t>
+                      </a:r>
+                    </a:p>
+                  </a:txBody>
+                  <a:tcPr>
+                    <a:lnL w="12700" cap="flat" cmpd="sng" algn="ctr">
+                      <a:noFill/>
+                      <a:prstDash val="solid"/>
+                      <a:round/>
+                      <a:headEnd type="none" w="med" len="med"/>
+                      <a:tailEnd type="none" w="med" len="med"/>
+                    </a:lnL>
+                    <a:lnR w="12700" cap="flat" cmpd="sng" algn="ctr">
+                      <a:noFill/>
+                      <a:prstDash val="solid"/>
+                      <a:round/>
+                      <a:headEnd type="none" w="med" len="med"/>
+                      <a:tailEnd type="none" w="med" len="med"/>
+                    </a:lnR>
+                    <a:lnT w="3175" cap="flat" cmpd="sng" algn="ctr">
+                      <a:solidFill>
+                        <a:schemeClr val="tx1"/>
+                      </a:solidFill>
+                      <a:prstDash val="lgDash"/>
+                      <a:round/>
+                      <a:headEnd type="none" w="med" len="med"/>
+                      <a:tailEnd type="none" w="med" len="med"/>
+                    </a:lnT>
+                    <a:lnB w="12700" cap="flat" cmpd="sng" algn="ctr">
+                      <a:noFill/>
+                      <a:prstDash val="solid"/>
+                      <a:round/>
+                      <a:headEnd type="none" w="med" len="med"/>
+                      <a:tailEnd type="none" w="med" len="med"/>
+                    </a:lnB>
+                    <a:lnTlToBr w="12700" cmpd="sng">
+                      <a:noFill/>
+                      <a:prstDash val="solid"/>
+                    </a:lnTlToBr>
+                    <a:lnBlToTr w="12700" cmpd="sng">
+                      <a:noFill/>
+                      <a:prstDash val="solid"/>
+                    </a:lnBlToTr>
+                    <a:noFill/>
+                  </a:tcPr>
+                </a:tc>
+                <a:extLst>
+                  <a:ext uri="{0D108BD9-81ED-4DB2-BD59-A6C34878D82A}">
+                    <a16:rowId xmlns:a16="http://schemas.microsoft.com/office/drawing/2014/main" val="2552162992"/>
+                  </a:ext>
+                </a:extLst>
+              </a:tr>
+            </a:tbl>
+          </a:graphicData>
+        </a:graphic>
+      </p:graphicFrame>
     </p:spTree>
     <p:extLst>
       <p:ext uri="{BB962C8B-B14F-4D97-AF65-F5344CB8AC3E}">
